--- a/programmer/programme/two qubit gate/CZgate/IBM/ppt/two dimensions_fivequbits.pptx
+++ b/programmer/programme/two qubit gate/CZgate/IBM/ppt/two dimensions_fivequbits.pptx
@@ -297,7 +297,7 @@
           <a:p>
             <a:fld id="{530820CF-B880-4189-942D-D702A7CBA730}" type="datetimeFigureOut">
               <a:rPr lang="zh-CN" altLang="en-US" smtClean="0"/>
-              <a:t>2018/1/26</a:t>
+              <a:t>2018/7/15</a:t>
             </a:fld>
             <a:endParaRPr lang="zh-CN" altLang="en-US"/>
           </a:p>
@@ -462,7 +462,7 @@
           <a:p>
             <a:fld id="{530820CF-B880-4189-942D-D702A7CBA730}" type="datetimeFigureOut">
               <a:rPr lang="zh-CN" altLang="en-US" smtClean="0"/>
-              <a:t>2018/1/26</a:t>
+              <a:t>2018/7/15</a:t>
             </a:fld>
             <a:endParaRPr lang="zh-CN" altLang="en-US"/>
           </a:p>
@@ -637,7 +637,7 @@
           <a:p>
             <a:fld id="{530820CF-B880-4189-942D-D702A7CBA730}" type="datetimeFigureOut">
               <a:rPr lang="zh-CN" altLang="en-US" smtClean="0"/>
-              <a:t>2018/1/26</a:t>
+              <a:t>2018/7/15</a:t>
             </a:fld>
             <a:endParaRPr lang="zh-CN" altLang="en-US"/>
           </a:p>
@@ -802,7 +802,7 @@
           <a:p>
             <a:fld id="{530820CF-B880-4189-942D-D702A7CBA730}" type="datetimeFigureOut">
               <a:rPr lang="zh-CN" altLang="en-US" smtClean="0"/>
-              <a:t>2018/1/26</a:t>
+              <a:t>2018/7/15</a:t>
             </a:fld>
             <a:endParaRPr lang="zh-CN" altLang="en-US"/>
           </a:p>
@@ -1043,7 +1043,7 @@
           <a:p>
             <a:fld id="{530820CF-B880-4189-942D-D702A7CBA730}" type="datetimeFigureOut">
               <a:rPr lang="zh-CN" altLang="en-US" smtClean="0"/>
-              <a:t>2018/1/26</a:t>
+              <a:t>2018/7/15</a:t>
             </a:fld>
             <a:endParaRPr lang="zh-CN" altLang="en-US"/>
           </a:p>
@@ -1326,7 +1326,7 @@
           <a:p>
             <a:fld id="{530820CF-B880-4189-942D-D702A7CBA730}" type="datetimeFigureOut">
               <a:rPr lang="zh-CN" altLang="en-US" smtClean="0"/>
-              <a:t>2018/1/26</a:t>
+              <a:t>2018/7/15</a:t>
             </a:fld>
             <a:endParaRPr lang="zh-CN" altLang="en-US"/>
           </a:p>
@@ -1743,7 +1743,7 @@
           <a:p>
             <a:fld id="{530820CF-B880-4189-942D-D702A7CBA730}" type="datetimeFigureOut">
               <a:rPr lang="zh-CN" altLang="en-US" smtClean="0"/>
-              <a:t>2018/1/26</a:t>
+              <a:t>2018/7/15</a:t>
             </a:fld>
             <a:endParaRPr lang="zh-CN" altLang="en-US"/>
           </a:p>
@@ -1856,7 +1856,7 @@
           <a:p>
             <a:fld id="{530820CF-B880-4189-942D-D702A7CBA730}" type="datetimeFigureOut">
               <a:rPr lang="zh-CN" altLang="en-US" smtClean="0"/>
-              <a:t>2018/1/26</a:t>
+              <a:t>2018/7/15</a:t>
             </a:fld>
             <a:endParaRPr lang="zh-CN" altLang="en-US"/>
           </a:p>
@@ -1946,7 +1946,7 @@
           <a:p>
             <a:fld id="{530820CF-B880-4189-942D-D702A7CBA730}" type="datetimeFigureOut">
               <a:rPr lang="zh-CN" altLang="en-US" smtClean="0"/>
-              <a:t>2018/1/26</a:t>
+              <a:t>2018/7/15</a:t>
             </a:fld>
             <a:endParaRPr lang="zh-CN" altLang="en-US"/>
           </a:p>
@@ -2218,7 +2218,7 @@
           <a:p>
             <a:fld id="{530820CF-B880-4189-942D-D702A7CBA730}" type="datetimeFigureOut">
               <a:rPr lang="zh-CN" altLang="en-US" smtClean="0"/>
-              <a:t>2018/1/26</a:t>
+              <a:t>2018/7/15</a:t>
             </a:fld>
             <a:endParaRPr lang="zh-CN" altLang="en-US"/>
           </a:p>
@@ -2466,7 +2466,7 @@
           <a:p>
             <a:fld id="{530820CF-B880-4189-942D-D702A7CBA730}" type="datetimeFigureOut">
               <a:rPr lang="zh-CN" altLang="en-US" smtClean="0"/>
-              <a:t>2018/1/26</a:t>
+              <a:t>2018/7/15</a:t>
             </a:fld>
             <a:endParaRPr lang="zh-CN" altLang="en-US"/>
           </a:p>
@@ -2674,7 +2674,7 @@
           <a:p>
             <a:fld id="{530820CF-B880-4189-942D-D702A7CBA730}" type="datetimeFigureOut">
               <a:rPr lang="zh-CN" altLang="en-US" smtClean="0"/>
-              <a:t>2018/1/26</a:t>
+              <a:t>2018/7/15</a:t>
             </a:fld>
             <a:endParaRPr lang="zh-CN" altLang="en-US"/>
           </a:p>
@@ -3184,7 +3184,15 @@
             </a:r>
             <a:r>
               <a:rPr lang="zh-CN" altLang="en-US" dirty="0" smtClean="0"/>
-              <a:t>结果较好</a:t>
+              <a:t>结果</a:t>
+            </a:r>
+            <a:r>
+              <a:rPr lang="zh-CN" altLang="en-US" dirty="0" smtClean="0"/>
+              <a:t>较好，转向处均为</a:t>
+            </a:r>
+            <a:r>
+              <a:rPr lang="en-US" altLang="zh-CN" dirty="0" smtClean="0"/>
+              <a:t>80M</a:t>
             </a:r>
             <a:endParaRPr lang="en-US" altLang="zh-CN" dirty="0" smtClean="0"/>
           </a:p>
